--- a/docs/songs/still.pptx
+++ b/docs/songs/still.pptx
@@ -308,7 +308,7 @@
             <a:fld id="{26EA1CF3-4A15-4CBF-9A5A-6A56C368BE71}" type="datetimeFigureOut">
               <a:rPr lang="en-GB" smtClean="0"/>
               <a:pPr/>
-              <a:t>21/11/2022</a:t>
+              <a:t>20/07/2024</a:t>
             </a:fld>
             <a:endParaRPr lang="en-GB"/>
           </a:p>
@@ -475,7 +475,7 @@
             <a:fld id="{26EA1CF3-4A15-4CBF-9A5A-6A56C368BE71}" type="datetimeFigureOut">
               <a:rPr lang="en-GB" smtClean="0"/>
               <a:pPr/>
-              <a:t>21/11/2022</a:t>
+              <a:t>20/07/2024</a:t>
             </a:fld>
             <a:endParaRPr lang="en-GB"/>
           </a:p>
@@ -652,7 +652,7 @@
             <a:fld id="{26EA1CF3-4A15-4CBF-9A5A-6A56C368BE71}" type="datetimeFigureOut">
               <a:rPr lang="en-GB" smtClean="0"/>
               <a:pPr/>
-              <a:t>21/11/2022</a:t>
+              <a:t>20/07/2024</a:t>
             </a:fld>
             <a:endParaRPr lang="en-GB"/>
           </a:p>
@@ -819,7 +819,7 @@
             <a:fld id="{26EA1CF3-4A15-4CBF-9A5A-6A56C368BE71}" type="datetimeFigureOut">
               <a:rPr lang="en-GB" smtClean="0"/>
               <a:pPr/>
-              <a:t>21/11/2022</a:t>
+              <a:t>20/07/2024</a:t>
             </a:fld>
             <a:endParaRPr lang="en-GB"/>
           </a:p>
@@ -1062,7 +1062,7 @@
             <a:fld id="{26EA1CF3-4A15-4CBF-9A5A-6A56C368BE71}" type="datetimeFigureOut">
               <a:rPr lang="en-GB" smtClean="0"/>
               <a:pPr/>
-              <a:t>21/11/2022</a:t>
+              <a:t>20/07/2024</a:t>
             </a:fld>
             <a:endParaRPr lang="en-GB"/>
           </a:p>
@@ -1347,7 +1347,7 @@
             <a:fld id="{26EA1CF3-4A15-4CBF-9A5A-6A56C368BE71}" type="datetimeFigureOut">
               <a:rPr lang="en-GB" smtClean="0"/>
               <a:pPr/>
-              <a:t>21/11/2022</a:t>
+              <a:t>20/07/2024</a:t>
             </a:fld>
             <a:endParaRPr lang="en-GB"/>
           </a:p>
@@ -1766,7 +1766,7 @@
             <a:fld id="{26EA1CF3-4A15-4CBF-9A5A-6A56C368BE71}" type="datetimeFigureOut">
               <a:rPr lang="en-GB" smtClean="0"/>
               <a:pPr/>
-              <a:t>21/11/2022</a:t>
+              <a:t>20/07/2024</a:t>
             </a:fld>
             <a:endParaRPr lang="en-GB"/>
           </a:p>
@@ -1881,7 +1881,7 @@
             <a:fld id="{26EA1CF3-4A15-4CBF-9A5A-6A56C368BE71}" type="datetimeFigureOut">
               <a:rPr lang="en-GB" smtClean="0"/>
               <a:pPr/>
-              <a:t>21/11/2022</a:t>
+              <a:t>20/07/2024</a:t>
             </a:fld>
             <a:endParaRPr lang="en-GB"/>
           </a:p>
@@ -1973,7 +1973,7 @@
             <a:fld id="{26EA1CF3-4A15-4CBF-9A5A-6A56C368BE71}" type="datetimeFigureOut">
               <a:rPr lang="en-GB" smtClean="0"/>
               <a:pPr/>
-              <a:t>21/11/2022</a:t>
+              <a:t>20/07/2024</a:t>
             </a:fld>
             <a:endParaRPr lang="en-GB"/>
           </a:p>
@@ -2247,7 +2247,7 @@
             <a:fld id="{26EA1CF3-4A15-4CBF-9A5A-6A56C368BE71}" type="datetimeFigureOut">
               <a:rPr lang="en-GB" smtClean="0"/>
               <a:pPr/>
-              <a:t>21/11/2022</a:t>
+              <a:t>20/07/2024</a:t>
             </a:fld>
             <a:endParaRPr lang="en-GB"/>
           </a:p>
@@ -2497,7 +2497,7 @@
             <a:fld id="{26EA1CF3-4A15-4CBF-9A5A-6A56C368BE71}" type="datetimeFigureOut">
               <a:rPr lang="en-GB" smtClean="0"/>
               <a:pPr/>
-              <a:t>21/11/2022</a:t>
+              <a:t>20/07/2024</a:t>
             </a:fld>
             <a:endParaRPr lang="en-GB"/>
           </a:p>
@@ -2710,7 +2710,7 @@
             <a:fld id="{26EA1CF3-4A15-4CBF-9A5A-6A56C368BE71}" type="datetimeFigureOut">
               <a:rPr lang="en-GB" smtClean="0"/>
               <a:pPr/>
-              <a:t>21/11/2022</a:t>
+              <a:t>20/07/2024</a:t>
             </a:fld>
             <a:endParaRPr lang="en-GB"/>
           </a:p>
@@ -3259,7 +3259,7 @@
         </p:nvSpPr>
         <p:spPr>
           <a:xfrm>
-            <a:off x="323528" y="188640"/>
+            <a:off x="0" y="692696"/>
             <a:ext cx="8640960" cy="6480720"/>
           </a:xfrm>
         </p:spPr>
@@ -3270,7 +3270,7 @@
           <a:lstStyle/>
           <a:p>
             <a:r>
-              <a:rPr lang="en-GB" sz="4000" dirty="0">
+              <a:rPr lang="en-GB" sz="3600" dirty="0">
                 <a:solidFill>
                   <a:schemeClr val="bg1"/>
                 </a:solidFill>
@@ -3280,7 +3280,7 @@
           </a:p>
           <a:p>
             <a:r>
-              <a:rPr lang="en-GB" sz="4000" dirty="0">
+              <a:rPr lang="en-GB" sz="3600" dirty="0">
                 <a:solidFill>
                   <a:schemeClr val="bg1"/>
                 </a:solidFill>
@@ -3290,7 +3290,7 @@
           </a:p>
           <a:p>
             <a:r>
-              <a:rPr lang="en-GB" sz="4000" dirty="0">
+              <a:rPr lang="en-GB" sz="3600" dirty="0">
                 <a:solidFill>
                   <a:schemeClr val="bg1"/>
                 </a:solidFill>
@@ -3300,7 +3300,7 @@
           </a:p>
           <a:p>
             <a:r>
-              <a:rPr lang="en-GB" sz="4000" dirty="0">
+              <a:rPr lang="en-GB" sz="3600" dirty="0">
                 <a:solidFill>
                   <a:schemeClr val="bg1"/>
                 </a:solidFill>
@@ -3385,7 +3385,7 @@
         </p:nvSpPr>
         <p:spPr>
           <a:xfrm>
-            <a:off x="323528" y="188640"/>
+            <a:off x="203118" y="692696"/>
             <a:ext cx="8640960" cy="6480720"/>
           </a:xfrm>
         </p:spPr>
@@ -3396,7 +3396,7 @@
           <a:lstStyle/>
           <a:p>
             <a:r>
-              <a:rPr lang="en-GB" sz="4000" dirty="0">
+              <a:rPr lang="en-GB" sz="3600" dirty="0">
                 <a:solidFill>
                   <a:schemeClr val="bg1"/>
                 </a:solidFill>
@@ -3406,7 +3406,7 @@
           </a:p>
           <a:p>
             <a:r>
-              <a:rPr lang="en-GB" sz="4000" dirty="0">
+              <a:rPr lang="en-GB" sz="3600" dirty="0">
                 <a:solidFill>
                   <a:schemeClr val="bg1"/>
                 </a:solidFill>
@@ -3416,7 +3416,7 @@
           </a:p>
           <a:p>
             <a:r>
-              <a:rPr lang="en-GB" sz="4000" dirty="0">
+              <a:rPr lang="en-GB" sz="3600" dirty="0">
                 <a:solidFill>
                   <a:schemeClr val="bg1"/>
                 </a:solidFill>
@@ -3426,7 +3426,7 @@
           </a:p>
           <a:p>
             <a:r>
-              <a:rPr lang="en-GB" sz="4000" dirty="0">
+              <a:rPr lang="en-GB" sz="3600" dirty="0">
                 <a:solidFill>
                   <a:schemeClr val="bg1"/>
                 </a:solidFill>
@@ -3436,7 +3436,7 @@
           </a:p>
           <a:p>
             <a:r>
-              <a:rPr lang="en-GB" sz="4000" dirty="0">
+              <a:rPr lang="en-GB" sz="3600" dirty="0">
                 <a:solidFill>
                   <a:schemeClr val="bg1"/>
                 </a:solidFill>
@@ -3446,7 +3446,7 @@
           </a:p>
           <a:p>
             <a:r>
-              <a:rPr lang="en-GB" sz="4000" dirty="0">
+              <a:rPr lang="en-GB" sz="3600" dirty="0">
                 <a:solidFill>
                   <a:schemeClr val="bg1"/>
                 </a:solidFill>
@@ -3456,7 +3456,7 @@
           </a:p>
           <a:p>
             <a:r>
-              <a:rPr lang="en-GB" sz="4000" dirty="0">
+              <a:rPr lang="en-GB" sz="3600" dirty="0">
                 <a:solidFill>
                   <a:schemeClr val="bg1"/>
                 </a:solidFill>
@@ -3466,7 +3466,7 @@
           </a:p>
           <a:p>
             <a:r>
-              <a:rPr lang="en-GB" sz="4000" dirty="0">
+              <a:rPr lang="en-GB" sz="3600" dirty="0">
                 <a:solidFill>
                   <a:schemeClr val="bg1"/>
                 </a:solidFill>
@@ -3551,7 +3551,7 @@
         </p:nvSpPr>
         <p:spPr>
           <a:xfrm>
-            <a:off x="323528" y="188640"/>
+            <a:off x="203118" y="764704"/>
             <a:ext cx="8640960" cy="6480720"/>
           </a:xfrm>
         </p:spPr>
@@ -3562,7 +3562,7 @@
           <a:lstStyle/>
           <a:p>
             <a:r>
-              <a:rPr lang="en-GB" sz="4000" dirty="0">
+              <a:rPr lang="en-GB" sz="3600" dirty="0">
                 <a:solidFill>
                   <a:schemeClr val="bg1"/>
                 </a:solidFill>
@@ -3572,7 +3572,7 @@
           </a:p>
           <a:p>
             <a:r>
-              <a:rPr lang="en-GB" sz="4000" dirty="0">
+              <a:rPr lang="en-GB" sz="3600" dirty="0">
                 <a:solidFill>
                   <a:schemeClr val="bg1"/>
                 </a:solidFill>
@@ -3582,7 +3582,7 @@
           </a:p>
           <a:p>
             <a:r>
-              <a:rPr lang="en-GB" sz="4000" dirty="0">
+              <a:rPr lang="en-GB" sz="3600" dirty="0">
                 <a:solidFill>
                   <a:schemeClr val="bg1"/>
                 </a:solidFill>
@@ -3592,7 +3592,7 @@
           </a:p>
           <a:p>
             <a:r>
-              <a:rPr lang="en-GB" sz="4000" dirty="0">
+              <a:rPr lang="en-GB" sz="3600" dirty="0">
                 <a:solidFill>
                   <a:schemeClr val="bg1"/>
                 </a:solidFill>
